--- a/Scott/Variables.pptx
+++ b/Scott/Variables.pptx
@@ -106,6 +106,11 @@
       </a:defRPr>
     </a:lvl9pPr>
   </p:defaultTextStyle>
+  <p:extLst>
+    <p:ext uri="{EFAFB233-063F-42B5-8137-9DF3F51BA10A}">
+      <p15:sldGuideLst xmlns:p15="http://schemas.microsoft.com/office/powerpoint/2012/main"/>
+    </p:ext>
+  </p:extLst>
 </p:presentation>
 </file>
 
@@ -244,7 +249,7 @@
           <a:p>
             <a:fld id="{7CCBFF5F-72D1-4E48-8736-4B34BDEF02A5}" type="datetimeFigureOut">
               <a:rPr lang="en-GB" smtClean="0"/>
-              <a:t>30/04/2017</a:t>
+              <a:t>01/05/2017</a:t>
             </a:fld>
             <a:endParaRPr lang="en-GB"/>
           </a:p>
@@ -414,7 +419,7 @@
           <a:p>
             <a:fld id="{7CCBFF5F-72D1-4E48-8736-4B34BDEF02A5}" type="datetimeFigureOut">
               <a:rPr lang="en-GB" smtClean="0"/>
-              <a:t>30/04/2017</a:t>
+              <a:t>01/05/2017</a:t>
             </a:fld>
             <a:endParaRPr lang="en-GB"/>
           </a:p>
@@ -594,7 +599,7 @@
           <a:p>
             <a:fld id="{7CCBFF5F-72D1-4E48-8736-4B34BDEF02A5}" type="datetimeFigureOut">
               <a:rPr lang="en-GB" smtClean="0"/>
-              <a:t>30/04/2017</a:t>
+              <a:t>01/05/2017</a:t>
             </a:fld>
             <a:endParaRPr lang="en-GB"/>
           </a:p>
@@ -764,7 +769,7 @@
           <a:p>
             <a:fld id="{7CCBFF5F-72D1-4E48-8736-4B34BDEF02A5}" type="datetimeFigureOut">
               <a:rPr lang="en-GB" smtClean="0"/>
-              <a:t>30/04/2017</a:t>
+              <a:t>01/05/2017</a:t>
             </a:fld>
             <a:endParaRPr lang="en-GB"/>
           </a:p>
@@ -1010,7 +1015,7 @@
           <a:p>
             <a:fld id="{7CCBFF5F-72D1-4E48-8736-4B34BDEF02A5}" type="datetimeFigureOut">
               <a:rPr lang="en-GB" smtClean="0"/>
-              <a:t>30/04/2017</a:t>
+              <a:t>01/05/2017</a:t>
             </a:fld>
             <a:endParaRPr lang="en-GB"/>
           </a:p>
@@ -1242,7 +1247,7 @@
           <a:p>
             <a:fld id="{7CCBFF5F-72D1-4E48-8736-4B34BDEF02A5}" type="datetimeFigureOut">
               <a:rPr lang="en-GB" smtClean="0"/>
-              <a:t>30/04/2017</a:t>
+              <a:t>01/05/2017</a:t>
             </a:fld>
             <a:endParaRPr lang="en-GB"/>
           </a:p>
@@ -1609,7 +1614,7 @@
           <a:p>
             <a:fld id="{7CCBFF5F-72D1-4E48-8736-4B34BDEF02A5}" type="datetimeFigureOut">
               <a:rPr lang="en-GB" smtClean="0"/>
-              <a:t>30/04/2017</a:t>
+              <a:t>01/05/2017</a:t>
             </a:fld>
             <a:endParaRPr lang="en-GB"/>
           </a:p>
@@ -1727,7 +1732,7 @@
           <a:p>
             <a:fld id="{7CCBFF5F-72D1-4E48-8736-4B34BDEF02A5}" type="datetimeFigureOut">
               <a:rPr lang="en-GB" smtClean="0"/>
-              <a:t>30/04/2017</a:t>
+              <a:t>01/05/2017</a:t>
             </a:fld>
             <a:endParaRPr lang="en-GB"/>
           </a:p>
@@ -1822,7 +1827,7 @@
           <a:p>
             <a:fld id="{7CCBFF5F-72D1-4E48-8736-4B34BDEF02A5}" type="datetimeFigureOut">
               <a:rPr lang="en-GB" smtClean="0"/>
-              <a:t>30/04/2017</a:t>
+              <a:t>01/05/2017</a:t>
             </a:fld>
             <a:endParaRPr lang="en-GB"/>
           </a:p>
@@ -2099,7 +2104,7 @@
           <a:p>
             <a:fld id="{7CCBFF5F-72D1-4E48-8736-4B34BDEF02A5}" type="datetimeFigureOut">
               <a:rPr lang="en-GB" smtClean="0"/>
-              <a:t>30/04/2017</a:t>
+              <a:t>01/05/2017</a:t>
             </a:fld>
             <a:endParaRPr lang="en-GB"/>
           </a:p>
@@ -2352,7 +2357,7 @@
           <a:p>
             <a:fld id="{7CCBFF5F-72D1-4E48-8736-4B34BDEF02A5}" type="datetimeFigureOut">
               <a:rPr lang="en-GB" smtClean="0"/>
-              <a:t>30/04/2017</a:t>
+              <a:t>01/05/2017</a:t>
             </a:fld>
             <a:endParaRPr lang="en-GB"/>
           </a:p>
@@ -2565,7 +2570,7 @@
           <a:p>
             <a:fld id="{7CCBFF5F-72D1-4E48-8736-4B34BDEF02A5}" type="datetimeFigureOut">
               <a:rPr lang="en-GB" smtClean="0"/>
-              <a:t>30/04/2017</a:t>
+              <a:t>01/05/2017</a:t>
             </a:fld>
             <a:endParaRPr lang="en-GB"/>
           </a:p>
@@ -3080,15 +3085,24 @@
           </a:bodyPr>
           <a:lstStyle/>
           <a:p>
+            <a:pPr marL="0" indent="0">
+              <a:buNone/>
+            </a:pPr>
             <a:r>
               <a:rPr lang="en-GB" sz="2400" dirty="0"/>
               <a:t>Variables are used to store information to be referenced and manipulated in a computer program.</a:t>
             </a:r>
           </a:p>
           <a:p>
+            <a:pPr marL="0" indent="0">
+              <a:buNone/>
+            </a:pPr>
             <a:endParaRPr lang="en-GB" sz="2400" dirty="0"/>
           </a:p>
           <a:p>
+            <a:pPr marL="0" indent="0">
+              <a:buNone/>
+            </a:pPr>
             <a:r>
               <a:rPr lang="en-GB" sz="2400" dirty="0"/>
               <a:t>They also provide a way of </a:t>
@@ -3103,18 +3117,30 @@
             </a:r>
           </a:p>
           <a:p>
+            <a:pPr marL="0" indent="0">
+              <a:buNone/>
+            </a:pPr>
             <a:endParaRPr lang="en-GB" sz="2400" dirty="0"/>
           </a:p>
           <a:p>
+            <a:pPr marL="0" indent="0">
+              <a:buNone/>
+            </a:pPr>
             <a:r>
               <a:rPr lang="en-GB" sz="2400" dirty="0"/>
               <a:t>It is helpful to think of variables as containers that hold information.</a:t>
             </a:r>
           </a:p>
           <a:p>
+            <a:pPr marL="0" indent="0">
+              <a:buNone/>
+            </a:pPr>
             <a:endParaRPr lang="en-GB" sz="2400" dirty="0"/>
           </a:p>
           <a:p>
+            <a:pPr marL="0" indent="0">
+              <a:buNone/>
+            </a:pPr>
             <a:r>
               <a:rPr lang="en-GB" sz="2400" dirty="0"/>
               <a:t>Their sole purpose is to label and store data in memory. This data can then be used throughout your program.</a:t>
@@ -3196,24 +3222,39 @@
           </a:bodyPr>
           <a:lstStyle/>
           <a:p>
+            <a:pPr marL="0" indent="0">
+              <a:buNone/>
+            </a:pPr>
             <a:r>
               <a:rPr lang="en-GB" sz="2400" dirty="0"/>
               <a:t>Naming variables is known as one of the most difficult tasks in computer programming. When you are naming variables, think hard about the names.</a:t>
             </a:r>
           </a:p>
           <a:p>
+            <a:pPr marL="0" indent="0">
+              <a:buNone/>
+            </a:pPr>
             <a:endParaRPr lang="en-GB" sz="2400" dirty="0"/>
           </a:p>
           <a:p>
+            <a:pPr marL="0" indent="0">
+              <a:buNone/>
+            </a:pPr>
             <a:r>
               <a:rPr lang="en-GB" sz="2400" dirty="0"/>
               <a:t>Try your best to make sure that the name you assign your variable is accurately descriptive and understandable to another reader. Sometimes that other reader is yourself when you revisit a program that you wrote months or even years earlier.</a:t>
             </a:r>
           </a:p>
           <a:p>
+            <a:pPr marL="0" indent="0">
+              <a:buNone/>
+            </a:pPr>
             <a:endParaRPr lang="en-GB" sz="2400" dirty="0"/>
           </a:p>
           <a:p>
+            <a:pPr marL="0" indent="0">
+              <a:buNone/>
+            </a:pPr>
             <a:r>
               <a:rPr lang="en-GB" sz="2400" dirty="0"/>
               <a:t>When you assign a variable, you use the “=” symbol. The name of the variable goes on the left and the value you want to store in the variable goes on the right.</a:t>
